--- a/Intro to Business Analytics.pptx
+++ b/Intro to Business Analytics.pptx
@@ -9,20 +9,19 @@
     <p:sldId id="262" r:id="rId6"/>
     <p:sldId id="263" r:id="rId7"/>
     <p:sldId id="273" r:id="rId8"/>
-    <p:sldId id="274" r:id="rId9"/>
-    <p:sldId id="280" r:id="rId10"/>
-    <p:sldId id="302" r:id="rId11"/>
-    <p:sldId id="288" r:id="rId12"/>
-    <p:sldId id="289" r:id="rId13"/>
-    <p:sldId id="303" r:id="rId14"/>
-    <p:sldId id="301" r:id="rId15"/>
-    <p:sldId id="290" r:id="rId16"/>
-    <p:sldId id="287" r:id="rId17"/>
-    <p:sldId id="291" r:id="rId18"/>
-    <p:sldId id="285" r:id="rId19"/>
-    <p:sldId id="298" r:id="rId20"/>
-    <p:sldId id="300" r:id="rId21"/>
-    <p:sldId id="296" r:id="rId22"/>
+    <p:sldId id="280" r:id="rId9"/>
+    <p:sldId id="302" r:id="rId10"/>
+    <p:sldId id="288" r:id="rId11"/>
+    <p:sldId id="289" r:id="rId12"/>
+    <p:sldId id="303" r:id="rId13"/>
+    <p:sldId id="301" r:id="rId14"/>
+    <p:sldId id="290" r:id="rId15"/>
+    <p:sldId id="287" r:id="rId16"/>
+    <p:sldId id="291" r:id="rId17"/>
+    <p:sldId id="285" r:id="rId18"/>
+    <p:sldId id="298" r:id="rId19"/>
+    <p:sldId id="300" r:id="rId20"/>
+    <p:sldId id="296" r:id="rId21"/>
   </p:sldIdLst>
   <p:sldSz cx="12192000" cy="6858000"/>
   <p:notesSz cx="6858000" cy="9144000"/>
@@ -2909,64 +2908,6 @@
 </file>
 
 <file path=ppt/slides/slide10.xml><?xml version="1.0" encoding="utf-8"?>
-<p:sld xmlns:a="http://schemas.openxmlformats.org/drawingml/2006/main" xmlns:r="http://schemas.openxmlformats.org/officeDocument/2006/relationships" xmlns:p="http://schemas.openxmlformats.org/presentationml/2006/main">
-  <p:cSld>
-    <p:spTree>
-      <p:nvGrpSpPr>
-        <p:cNvPr id="1" name=""/>
-        <p:cNvGrpSpPr/>
-        <p:nvPr/>
-      </p:nvGrpSpPr>
-      <p:grpSpPr>
-        <a:xfrm>
-          <a:off x="0" y="0"/>
-          <a:ext cx="0" cy="0"/>
-          <a:chOff x="0" y="0"/>
-          <a:chExt cx="0" cy="0"/>
-        </a:xfrm>
-      </p:grpSpPr>
-      <p:sp>
-        <p:nvSpPr>
-          <p:cNvPr id="3" name="Title 2">
-            <a:extLst>
-              <a:ext uri="{FF2B5EF4-FFF2-40B4-BE49-F238E27FC236}">
-                <a16:creationId xmlns:a16="http://schemas.microsoft.com/office/drawing/2014/main" id="{82E5FC0D-F05E-0648-B10F-E7662D8666CD}"/>
-              </a:ext>
-            </a:extLst>
-          </p:cNvPr>
-          <p:cNvSpPr>
-            <a:spLocks noGrp="1"/>
-          </p:cNvSpPr>
-          <p:nvPr>
-            <p:ph type="title"/>
-          </p:nvPr>
-        </p:nvSpPr>
-        <p:spPr/>
-        <p:txBody>
-          <a:bodyPr/>
-          <a:lstStyle/>
-          <a:p>
-            <a:r>
-              <a:rPr lang="en-US" sz="5400" dirty="0"/>
-              <a:t>Example: Structured Data</a:t>
-            </a:r>
-          </a:p>
-        </p:txBody>
-      </p:sp>
-    </p:spTree>
-    <p:extLst>
-      <p:ext uri="{BB962C8B-B14F-4D97-AF65-F5344CB8AC3E}">
-        <p14:creationId xmlns:p14="http://schemas.microsoft.com/office/powerpoint/2010/main" val="1699943337"/>
-      </p:ext>
-    </p:extLst>
-  </p:cSld>
-  <p:clrMapOvr>
-    <a:masterClrMapping/>
-  </p:clrMapOvr>
-</p:sld>
-</file>
-
-<file path=ppt/slides/slide11.xml><?xml version="1.0" encoding="utf-8"?>
 <p:sld xmlns:a="http://schemas.openxmlformats.org/drawingml/2006/main" xmlns:r="http://schemas.openxmlformats.org/officeDocument/2006/relationships" xmlns:p="http://schemas.openxmlformats.org/presentationml/2006/main">
   <p:cSld>
     <p:spTree>
@@ -4147,7 +4088,7 @@
 </p:sld>
 </file>
 
-<file path=ppt/slides/slide12.xml><?xml version="1.0" encoding="utf-8"?>
+<file path=ppt/slides/slide11.xml><?xml version="1.0" encoding="utf-8"?>
 <p:sld xmlns:a="http://schemas.openxmlformats.org/drawingml/2006/main" xmlns:r="http://schemas.openxmlformats.org/officeDocument/2006/relationships" xmlns:p="http://schemas.openxmlformats.org/presentationml/2006/main">
   <p:cSld>
     <p:spTree>
@@ -5331,7 +5272,7 @@
 </p:sld>
 </file>
 
-<file path=ppt/slides/slide13.xml><?xml version="1.0" encoding="utf-8"?>
+<file path=ppt/slides/slide12.xml><?xml version="1.0" encoding="utf-8"?>
 <p:sld xmlns:a="http://schemas.openxmlformats.org/drawingml/2006/main" xmlns:r="http://schemas.openxmlformats.org/officeDocument/2006/relationships" xmlns:p="http://schemas.openxmlformats.org/presentationml/2006/main">
   <p:cSld>
     <p:spTree>
@@ -6414,7 +6355,7 @@
 </p:sld>
 </file>
 
-<file path=ppt/slides/slide14.xml><?xml version="1.0" encoding="utf-8"?>
+<file path=ppt/slides/slide13.xml><?xml version="1.0" encoding="utf-8"?>
 <p:sld xmlns:a="http://schemas.openxmlformats.org/drawingml/2006/main" xmlns:r="http://schemas.openxmlformats.org/officeDocument/2006/relationships" xmlns:p="http://schemas.openxmlformats.org/presentationml/2006/main">
   <p:cSld>
     <p:spTree>
@@ -6477,13 +6418,6 @@
             </a:r>
           </a:p>
           <a:p>
-            <a:pPr lvl="1"/>
-            <a:r>
-              <a:rPr lang="en-US" sz="3000" dirty="0"/>
-              <a:t>Shirt size (small, medium, …)</a:t>
-            </a:r>
-          </a:p>
-          <a:p>
             <a:r>
               <a:rPr lang="en-US" sz="3200" dirty="0"/>
               <a:t>Numeric: </a:t>
@@ -6504,15 +6438,12 @@
             </a:r>
           </a:p>
           <a:p>
-            <a:pPr lvl="1"/>
-            <a:r>
-              <a:rPr lang="en-US" sz="3000" dirty="0"/>
-              <a:t>Population (in thousands)</a:t>
-            </a:r>
-          </a:p>
-          <a:p>
             <a:r>
               <a:rPr lang="en-US" sz="3200" dirty="0"/>
+              <a:t> </a:t>
+            </a:r>
+            <a:r>
+              <a:rPr lang="en-US" sz="3400" dirty="0"/>
               <a:t>Dates:</a:t>
             </a:r>
           </a:p>
@@ -7136,128 +7067,6 @@
                       </p:childTnLst>
                     </p:cTn>
                   </p:par>
-                  <p:par>
-                    <p:cTn id="48" fill="hold">
-                      <p:stCondLst>
-                        <p:cond delay="indefinite"/>
-                      </p:stCondLst>
-                      <p:childTnLst>
-                        <p:par>
-                          <p:cTn id="49" fill="hold">
-                            <p:stCondLst>
-                              <p:cond delay="0"/>
-                            </p:stCondLst>
-                            <p:childTnLst>
-                              <p:par>
-                                <p:cTn id="50" presetID="10" presetClass="entr" presetSubtype="0" fill="hold" nodeType="clickEffect">
-                                  <p:stCondLst>
-                                    <p:cond delay="0"/>
-                                  </p:stCondLst>
-                                  <p:childTnLst>
-                                    <p:set>
-                                      <p:cBhvr>
-                                        <p:cTn id="51" dur="1" fill="hold">
-                                          <p:stCondLst>
-                                            <p:cond delay="0"/>
-                                          </p:stCondLst>
-                                        </p:cTn>
-                                        <p:tgtEl>
-                                          <p:spTgt spid="2">
-                                            <p:txEl>
-                                              <p:pRg st="9" end="9"/>
-                                            </p:txEl>
-                                          </p:spTgt>
-                                        </p:tgtEl>
-                                        <p:attrNameLst>
-                                          <p:attrName>style.visibility</p:attrName>
-                                        </p:attrNameLst>
-                                      </p:cBhvr>
-                                      <p:to>
-                                        <p:strVal val="visible"/>
-                                      </p:to>
-                                    </p:set>
-                                    <p:animEffect transition="in" filter="fade">
-                                      <p:cBhvr>
-                                        <p:cTn id="52" dur="500"/>
-                                        <p:tgtEl>
-                                          <p:spTgt spid="2">
-                                            <p:txEl>
-                                              <p:pRg st="9" end="9"/>
-                                            </p:txEl>
-                                          </p:spTgt>
-                                        </p:tgtEl>
-                                      </p:cBhvr>
-                                    </p:animEffect>
-                                  </p:childTnLst>
-                                </p:cTn>
-                              </p:par>
-                            </p:childTnLst>
-                          </p:cTn>
-                        </p:par>
-                      </p:childTnLst>
-                    </p:cTn>
-                  </p:par>
-                  <p:par>
-                    <p:cTn id="53" fill="hold">
-                      <p:stCondLst>
-                        <p:cond delay="indefinite"/>
-                      </p:stCondLst>
-                      <p:childTnLst>
-                        <p:par>
-                          <p:cTn id="54" fill="hold">
-                            <p:stCondLst>
-                              <p:cond delay="0"/>
-                            </p:stCondLst>
-                            <p:childTnLst>
-                              <p:par>
-                                <p:cTn id="55" presetID="10" presetClass="entr" presetSubtype="0" fill="hold" nodeType="clickEffect">
-                                  <p:stCondLst>
-                                    <p:cond delay="0"/>
-                                  </p:stCondLst>
-                                  <p:childTnLst>
-                                    <p:set>
-                                      <p:cBhvr>
-                                        <p:cTn id="56" dur="1" fill="hold">
-                                          <p:stCondLst>
-                                            <p:cond delay="0"/>
-                                          </p:stCondLst>
-                                        </p:cTn>
-                                        <p:tgtEl>
-                                          <p:spTgt spid="2">
-                                            <p:txEl>
-                                              <p:pRg st="10" end="10"/>
-                                            </p:txEl>
-                                          </p:spTgt>
-                                        </p:tgtEl>
-                                        <p:attrNameLst>
-                                          <p:attrName>style.visibility</p:attrName>
-                                        </p:attrNameLst>
-                                      </p:cBhvr>
-                                      <p:to>
-                                        <p:strVal val="visible"/>
-                                      </p:to>
-                                    </p:set>
-                                    <p:animEffect transition="in" filter="fade">
-                                      <p:cBhvr>
-                                        <p:cTn id="57" dur="500"/>
-                                        <p:tgtEl>
-                                          <p:spTgt spid="2">
-                                            <p:txEl>
-                                              <p:pRg st="10" end="10"/>
-                                            </p:txEl>
-                                          </p:spTgt>
-                                        </p:tgtEl>
-                                      </p:cBhvr>
-                                    </p:animEffect>
-                                  </p:childTnLst>
-                                </p:cTn>
-                              </p:par>
-                            </p:childTnLst>
-                          </p:cTn>
-                        </p:par>
-                      </p:childTnLst>
-                    </p:cTn>
-                  </p:par>
                 </p:childTnLst>
               </p:cTn>
               <p:prevCondLst>
@@ -7283,7 +7092,7 @@
 </p:sld>
 </file>
 
-<file path=ppt/slides/slide15.xml><?xml version="1.0" encoding="utf-8"?>
+<file path=ppt/slides/slide14.xml><?xml version="1.0" encoding="utf-8"?>
 <p:sld xmlns:a="http://schemas.openxmlformats.org/drawingml/2006/main" xmlns:r="http://schemas.openxmlformats.org/officeDocument/2006/relationships" xmlns:p="http://schemas.openxmlformats.org/presentationml/2006/main">
   <p:cSld>
     <p:spTree>
@@ -7323,13 +7132,19 @@
           <a:p>
             <a:r>
               <a:rPr lang="en-US" sz="3200" dirty="0"/>
-              <a:t>Problem identification</a:t>
+              <a:t>Problem/Decision identification</a:t>
             </a:r>
           </a:p>
           <a:p>
             <a:r>
               <a:rPr lang="en-US" sz="3200" dirty="0"/>
               <a:t>Collect and import data</a:t>
+            </a:r>
+          </a:p>
+          <a:p>
+            <a:r>
+              <a:rPr lang="en-US" sz="3200" dirty="0"/>
+              <a:t>Check and modify data types</a:t>
             </a:r>
           </a:p>
           <a:p>
@@ -7698,6 +7513,55 @@
                       </p:childTnLst>
                     </p:cTn>
                   </p:par>
+                  <p:par>
+                    <p:cTn id="27" fill="hold">
+                      <p:stCondLst>
+                        <p:cond delay="indefinite"/>
+                      </p:stCondLst>
+                      <p:childTnLst>
+                        <p:par>
+                          <p:cTn id="28" fill="hold">
+                            <p:stCondLst>
+                              <p:cond delay="0"/>
+                            </p:stCondLst>
+                            <p:childTnLst>
+                              <p:par>
+                                <p:cTn id="29" presetID="1" presetClass="entr" presetSubtype="0" fill="hold" nodeType="clickEffect">
+                                  <p:stCondLst>
+                                    <p:cond delay="0"/>
+                                  </p:stCondLst>
+                                  <p:childTnLst>
+                                    <p:set>
+                                      <p:cBhvr>
+                                        <p:cTn id="30" dur="1" fill="hold">
+                                          <p:stCondLst>
+                                            <p:cond delay="0"/>
+                                          </p:stCondLst>
+                                        </p:cTn>
+                                        <p:tgtEl>
+                                          <p:spTgt spid="2">
+                                            <p:txEl>
+                                              <p:pRg st="6" end="6"/>
+                                            </p:txEl>
+                                          </p:spTgt>
+                                        </p:tgtEl>
+                                        <p:attrNameLst>
+                                          <p:attrName>style.visibility</p:attrName>
+                                        </p:attrNameLst>
+                                      </p:cBhvr>
+                                      <p:to>
+                                        <p:strVal val="visible"/>
+                                      </p:to>
+                                    </p:set>
+                                  </p:childTnLst>
+                                </p:cTn>
+                              </p:par>
+                            </p:childTnLst>
+                          </p:cTn>
+                        </p:par>
+                      </p:childTnLst>
+                    </p:cTn>
+                  </p:par>
                 </p:childTnLst>
               </p:cTn>
               <p:prevCondLst>
@@ -7723,7 +7587,7 @@
 </p:sld>
 </file>
 
-<file path=ppt/slides/slide16.xml><?xml version="1.0" encoding="utf-8"?>
+<file path=ppt/slides/slide15.xml><?xml version="1.0" encoding="utf-8"?>
 <p:sld xmlns:a="http://schemas.openxmlformats.org/drawingml/2006/main" xmlns:r="http://schemas.openxmlformats.org/officeDocument/2006/relationships" xmlns:p="http://schemas.openxmlformats.org/presentationml/2006/main">
   <p:cSld>
     <p:spTree>
@@ -7763,13 +7627,19 @@
           <a:p>
             <a:r>
               <a:rPr lang="en-US" sz="3200" dirty="0"/>
-              <a:t>Problem identification: </a:t>
+              <a:t>Problem/decision identification: </a:t>
             </a:r>
             <a:r>
               <a:rPr lang="en-US" sz="3000" dirty="0"/>
               <a:t>An online marketplace wants to understand customer spending by demographics to target customers with promotional pricing.</a:t>
             </a:r>
-            <a:endParaRPr lang="en-US" sz="3200" dirty="0"/>
+          </a:p>
+          <a:p>
+            <a:pPr lvl="1"/>
+            <a:r>
+              <a:rPr lang="en-US" sz="3000" dirty="0"/>
+              <a:t>Decision: to who should we email a coupon?</a:t>
+            </a:r>
           </a:p>
         </p:txBody>
       </p:sp>
@@ -7868,6 +7738,55 @@
                       </p:childTnLst>
                     </p:cTn>
                   </p:par>
+                  <p:par>
+                    <p:cTn id="7" fill="hold">
+                      <p:stCondLst>
+                        <p:cond delay="indefinite"/>
+                      </p:stCondLst>
+                      <p:childTnLst>
+                        <p:par>
+                          <p:cTn id="8" fill="hold">
+                            <p:stCondLst>
+                              <p:cond delay="0"/>
+                            </p:stCondLst>
+                            <p:childTnLst>
+                              <p:par>
+                                <p:cTn id="9" presetID="1" presetClass="entr" presetSubtype="0" fill="hold" nodeType="clickEffect">
+                                  <p:stCondLst>
+                                    <p:cond delay="0"/>
+                                  </p:stCondLst>
+                                  <p:childTnLst>
+                                    <p:set>
+                                      <p:cBhvr>
+                                        <p:cTn id="10" dur="1" fill="hold">
+                                          <p:stCondLst>
+                                            <p:cond delay="0"/>
+                                          </p:stCondLst>
+                                        </p:cTn>
+                                        <p:tgtEl>
+                                          <p:spTgt spid="2">
+                                            <p:txEl>
+                                              <p:pRg st="1" end="1"/>
+                                            </p:txEl>
+                                          </p:spTgt>
+                                        </p:tgtEl>
+                                        <p:attrNameLst>
+                                          <p:attrName>style.visibility</p:attrName>
+                                        </p:attrNameLst>
+                                      </p:cBhvr>
+                                      <p:to>
+                                        <p:strVal val="visible"/>
+                                      </p:to>
+                                    </p:set>
+                                  </p:childTnLst>
+                                </p:cTn>
+                              </p:par>
+                            </p:childTnLst>
+                          </p:cTn>
+                        </p:par>
+                      </p:childTnLst>
+                    </p:cTn>
+                  </p:par>
                 </p:childTnLst>
               </p:cTn>
               <p:prevCondLst>
@@ -7893,7 +7812,7 @@
 </p:sld>
 </file>
 
-<file path=ppt/slides/slide17.xml><?xml version="1.0" encoding="utf-8"?>
+<file path=ppt/slides/slide16.xml><?xml version="1.0" encoding="utf-8"?>
 <p:sld xmlns:a="http://schemas.openxmlformats.org/drawingml/2006/main" xmlns:r="http://schemas.openxmlformats.org/officeDocument/2006/relationships" xmlns:p="http://schemas.openxmlformats.org/presentationml/2006/main">
   <p:cSld>
     <p:spTree>
@@ -8031,7 +7950,7 @@
           <a:p>
             <a:r>
               <a:rPr lang="en-US" sz="3200" dirty="0"/>
-              <a:t>Define business analytics (BA) and explain what knowledge is needed for BA.</a:t>
+              <a:t>Define business analytics (BA).</a:t>
             </a:r>
           </a:p>
           <a:p>
@@ -8048,12 +7967,8 @@
           </a:p>
           <a:p>
             <a:r>
-              <a:rPr lang="en-US" sz="3200"/>
-              <a:t>Know </a:t>
-            </a:r>
-            <a:r>
               <a:rPr lang="en-US" sz="3200" dirty="0"/>
-              <a:t>the business analytics workflow.</a:t>
+              <a:t>Know the business analytics workflow.</a:t>
             </a:r>
           </a:p>
           <a:p>
@@ -8437,21 +8352,6 @@
               <a:t>Often, BA is used to complete a traditional business function (e.g., finance, accounting, marketing) with cutting edge data analysis techniques</a:t>
             </a:r>
           </a:p>
-          <a:p>
-            <a:pPr lvl="1"/>
-            <a:r>
-              <a:rPr lang="en-US" sz="3200" dirty="0"/>
-              <a:t>BA requires </a:t>
-            </a:r>
-            <a:r>
-              <a:rPr lang="en-US" sz="3200" i="1" dirty="0"/>
-              <a:t>both </a:t>
-            </a:r>
-            <a:r>
-              <a:rPr lang="en-US" sz="3200" dirty="0"/>
-              <a:t>qualitative reasoning and quantitative analysis</a:t>
-            </a:r>
-          </a:p>
         </p:txBody>
       </p:sp>
       <p:sp>
@@ -8647,27 +8547,175 @@
                       </p:childTnLst>
                     </p:cTn>
                   </p:par>
+                </p:childTnLst>
+              </p:cTn>
+              <p:prevCondLst>
+                <p:cond evt="onPrev" delay="0">
+                  <p:tgtEl>
+                    <p:sldTgt/>
+                  </p:tgtEl>
+                </p:cond>
+              </p:prevCondLst>
+              <p:nextCondLst>
+                <p:cond evt="onNext" delay="0">
+                  <p:tgtEl>
+                    <p:sldTgt/>
+                  </p:tgtEl>
+                </p:cond>
+              </p:nextCondLst>
+            </p:seq>
+          </p:childTnLst>
+        </p:cTn>
+      </p:par>
+    </p:tnLst>
+  </p:timing>
+</p:sld>
+</file>
+
+<file path=ppt/slides/slide4.xml><?xml version="1.0" encoding="utf-8"?>
+<p:sld xmlns:a="http://schemas.openxmlformats.org/drawingml/2006/main" xmlns:r="http://schemas.openxmlformats.org/officeDocument/2006/relationships" xmlns:p="http://schemas.openxmlformats.org/presentationml/2006/main">
+  <p:cSld>
+    <p:spTree>
+      <p:nvGrpSpPr>
+        <p:cNvPr id="1" name=""/>
+        <p:cNvGrpSpPr/>
+        <p:nvPr/>
+      </p:nvGrpSpPr>
+      <p:grpSpPr>
+        <a:xfrm>
+          <a:off x="0" y="0"/>
+          <a:ext cx="0" cy="0"/>
+          <a:chOff x="0" y="0"/>
+          <a:chExt cx="0" cy="0"/>
+        </a:xfrm>
+      </p:grpSpPr>
+      <p:sp>
+        <p:nvSpPr>
+          <p:cNvPr id="2" name="Content Placeholder 1">
+            <a:extLst>
+              <a:ext uri="{FF2B5EF4-FFF2-40B4-BE49-F238E27FC236}">
+                <a16:creationId xmlns:a16="http://schemas.microsoft.com/office/drawing/2014/main" id="{7F029670-8172-D14F-AD03-54D60E0828DB}"/>
+              </a:ext>
+            </a:extLst>
+          </p:cNvPr>
+          <p:cNvSpPr>
+            <a:spLocks noGrp="1"/>
+          </p:cNvSpPr>
+          <p:nvPr>
+            <p:ph sz="half" idx="1"/>
+          </p:nvPr>
+        </p:nvSpPr>
+        <p:spPr/>
+        <p:txBody>
+          <a:bodyPr/>
+          <a:lstStyle/>
+          <a:p>
+            <a:r>
+              <a:rPr lang="en-US" sz="3200" b="1" dirty="0"/>
+              <a:t>The Gap Inc. </a:t>
+            </a:r>
+            <a:r>
+              <a:rPr lang="en-US" sz="3200" dirty="0"/>
+              <a:t>The Gap’s CEO revolutionized the company by using analytics to identify loyal customers, match products to customers, enhanced customer satisfaction, and manage product rebuys.</a:t>
+            </a:r>
+          </a:p>
+          <a:p>
+            <a:r>
+              <a:rPr lang="en-US" sz="3200" b="1" dirty="0"/>
+              <a:t>Netflix.</a:t>
+            </a:r>
+            <a:r>
+              <a:rPr lang="en-US" sz="3200" dirty="0"/>
+              <a:t> Netflix uses data analytics to recommend content to its users.</a:t>
+            </a:r>
+          </a:p>
+          <a:p>
+            <a:r>
+              <a:rPr lang="en-US" sz="3200" b="1" dirty="0"/>
+              <a:t>The Oakland Athletics. </a:t>
+            </a:r>
+            <a:r>
+              <a:rPr lang="en-US" sz="3200" dirty="0"/>
+              <a:t>The A’s used analytics to greatly outperform relative to its small budget. The story of the A’s success was depicted in the movie </a:t>
+            </a:r>
+            <a:r>
+              <a:rPr lang="en-US" sz="3200" i="1" dirty="0"/>
+              <a:t>Moneyball</a:t>
+            </a:r>
+            <a:r>
+              <a:rPr lang="en-US" sz="3200" dirty="0"/>
+              <a:t>.</a:t>
+            </a:r>
+          </a:p>
+        </p:txBody>
+      </p:sp>
+      <p:sp>
+        <p:nvSpPr>
+          <p:cNvPr id="3" name="Title 2">
+            <a:extLst>
+              <a:ext uri="{FF2B5EF4-FFF2-40B4-BE49-F238E27FC236}">
+                <a16:creationId xmlns:a16="http://schemas.microsoft.com/office/drawing/2014/main" id="{82E5FC0D-F05E-0648-B10F-E7662D8666CD}"/>
+              </a:ext>
+            </a:extLst>
+          </p:cNvPr>
+          <p:cNvSpPr>
+            <a:spLocks noGrp="1"/>
+          </p:cNvSpPr>
+          <p:nvPr>
+            <p:ph type="title"/>
+          </p:nvPr>
+        </p:nvSpPr>
+        <p:spPr/>
+        <p:txBody>
+          <a:bodyPr/>
+          <a:lstStyle/>
+          <a:p>
+            <a:r>
+              <a:rPr lang="en-US" sz="5400" dirty="0"/>
+              <a:t>Example Applications of BA</a:t>
+            </a:r>
+          </a:p>
+        </p:txBody>
+      </p:sp>
+    </p:spTree>
+    <p:extLst>
+      <p:ext uri="{BB962C8B-B14F-4D97-AF65-F5344CB8AC3E}">
+        <p14:creationId xmlns:p14="http://schemas.microsoft.com/office/powerpoint/2010/main" val="518193938"/>
+      </p:ext>
+    </p:extLst>
+  </p:cSld>
+  <p:clrMapOvr>
+    <a:masterClrMapping/>
+  </p:clrMapOvr>
+  <p:timing>
+    <p:tnLst>
+      <p:par>
+        <p:cTn id="1" dur="indefinite" restart="never" nodeType="tmRoot">
+          <p:childTnLst>
+            <p:seq concurrent="1" nextAc="seek">
+              <p:cTn id="2" dur="indefinite" nodeType="mainSeq">
+                <p:childTnLst>
                   <p:par>
-                    <p:cTn id="15" fill="hold">
+                    <p:cTn id="3" fill="hold">
                       <p:stCondLst>
                         <p:cond delay="indefinite"/>
                       </p:stCondLst>
                       <p:childTnLst>
                         <p:par>
-                          <p:cTn id="16" fill="hold">
+                          <p:cTn id="4" fill="hold">
                             <p:stCondLst>
                               <p:cond delay="0"/>
                             </p:stCondLst>
                             <p:childTnLst>
                               <p:par>
-                                <p:cTn id="17" presetID="1" presetClass="entr" presetSubtype="0" fill="hold" nodeType="clickEffect">
+                                <p:cTn id="5" presetID="1" presetClass="entr" presetSubtype="0" fill="hold" nodeType="clickEffect">
                                   <p:stCondLst>
                                     <p:cond delay="0"/>
                                   </p:stCondLst>
                                   <p:childTnLst>
                                     <p:set>
                                       <p:cBhvr>
-                                        <p:cTn id="18" dur="1" fill="hold">
+                                        <p:cTn id="6" dur="1" fill="hold">
                                           <p:stCondLst>
                                             <p:cond delay="0"/>
                                           </p:stCondLst>
@@ -8675,7 +8723,105 @@
                                         <p:tgtEl>
                                           <p:spTgt spid="2">
                                             <p:txEl>
-                                              <p:pRg st="3" end="3"/>
+                                              <p:pRg st="0" end="0"/>
+                                            </p:txEl>
+                                          </p:spTgt>
+                                        </p:tgtEl>
+                                        <p:attrNameLst>
+                                          <p:attrName>style.visibility</p:attrName>
+                                        </p:attrNameLst>
+                                      </p:cBhvr>
+                                      <p:to>
+                                        <p:strVal val="visible"/>
+                                      </p:to>
+                                    </p:set>
+                                  </p:childTnLst>
+                                </p:cTn>
+                              </p:par>
+                            </p:childTnLst>
+                          </p:cTn>
+                        </p:par>
+                      </p:childTnLst>
+                    </p:cTn>
+                  </p:par>
+                  <p:par>
+                    <p:cTn id="7" fill="hold">
+                      <p:stCondLst>
+                        <p:cond delay="indefinite"/>
+                      </p:stCondLst>
+                      <p:childTnLst>
+                        <p:par>
+                          <p:cTn id="8" fill="hold">
+                            <p:stCondLst>
+                              <p:cond delay="0"/>
+                            </p:stCondLst>
+                            <p:childTnLst>
+                              <p:par>
+                                <p:cTn id="9" presetID="1" presetClass="entr" presetSubtype="0" fill="hold" nodeType="clickEffect">
+                                  <p:stCondLst>
+                                    <p:cond delay="0"/>
+                                  </p:stCondLst>
+                                  <p:childTnLst>
+                                    <p:set>
+                                      <p:cBhvr>
+                                        <p:cTn id="10" dur="1" fill="hold">
+                                          <p:stCondLst>
+                                            <p:cond delay="0"/>
+                                          </p:stCondLst>
+                                        </p:cTn>
+                                        <p:tgtEl>
+                                          <p:spTgt spid="2">
+                                            <p:txEl>
+                                              <p:pRg st="1" end="1"/>
+                                            </p:txEl>
+                                          </p:spTgt>
+                                        </p:tgtEl>
+                                        <p:attrNameLst>
+                                          <p:attrName>style.visibility</p:attrName>
+                                        </p:attrNameLst>
+                                      </p:cBhvr>
+                                      <p:to>
+                                        <p:strVal val="visible"/>
+                                      </p:to>
+                                    </p:set>
+                                  </p:childTnLst>
+                                </p:cTn>
+                              </p:par>
+                            </p:childTnLst>
+                          </p:cTn>
+                        </p:par>
+                      </p:childTnLst>
+                    </p:cTn>
+                  </p:par>
+                  <p:par>
+                    <p:cTn id="11" fill="hold">
+                      <p:stCondLst>
+                        <p:cond delay="indefinite"/>
+                      </p:stCondLst>
+                      <p:childTnLst>
+                        <p:par>
+                          <p:cTn id="12" fill="hold">
+                            <p:stCondLst>
+                              <p:cond delay="0"/>
+                            </p:stCondLst>
+                            <p:childTnLst>
+                              <p:par>
+                                <p:cTn id="13" presetID="1" presetClass="entr" presetSubtype="0" fill="hold" nodeType="clickEffect">
+                                  <p:stCondLst>
+                                    <p:cond delay="0"/>
+                                  </p:stCondLst>
+                                  <p:childTnLst>
+                                    <p:set>
+                                      <p:cBhvr>
+                                        <p:cTn id="14" dur="1" fill="hold">
+                                          <p:stCondLst>
+                                            <p:cond delay="0"/>
+                                          </p:stCondLst>
+                                        </p:cTn>
+                                        <p:tgtEl>
+                                          <p:spTgt spid="2">
+                                            <p:txEl>
+                                              <p:pRg st="2" end="2"/>
                                             </p:txEl>
                                           </p:spTgt>
                                         </p:tgtEl>
@@ -8721,7 +8867,7 @@
 </p:sld>
 </file>
 
-<file path=ppt/slides/slide4.xml><?xml version="1.0" encoding="utf-8"?>
+<file path=ppt/slides/slide5.xml><?xml version="1.0" encoding="utf-8"?>
 <p:sld xmlns:a="http://schemas.openxmlformats.org/drawingml/2006/main" xmlns:r="http://schemas.openxmlformats.org/officeDocument/2006/relationships" xmlns:p="http://schemas.openxmlformats.org/presentationml/2006/main">
   <p:cSld>
     <p:spTree>
@@ -8761,94 +8907,17 @@
           <a:p>
             <a:r>
               <a:rPr lang="en-US" sz="5400" dirty="0"/>
-              <a:t>What is Business Analytics?</a:t>
+              <a:t>Data Types </a:t>
             </a:r>
           </a:p>
         </p:txBody>
       </p:sp>
-      <p:pic>
-        <p:nvPicPr>
-          <p:cNvPr id="4" name="Picture 2">
-            <a:extLst>
-              <a:ext uri="{FF2B5EF4-FFF2-40B4-BE49-F238E27FC236}">
-                <a16:creationId xmlns:a16="http://schemas.microsoft.com/office/drawing/2014/main" id="{AF47D202-CCF5-2446-4FC5-48B2F952CF80}"/>
-              </a:ext>
-            </a:extLst>
-          </p:cNvPr>
-          <p:cNvPicPr>
-            <a:picLocks noChangeAspect="1" noChangeArrowheads="1"/>
-          </p:cNvPicPr>
-          <p:nvPr/>
-        </p:nvPicPr>
-        <p:blipFill>
-          <a:blip r:embed="rId2">
-            <a:extLst>
-              <a:ext uri="{28A0092B-C50C-407E-A947-70E740481C1C}">
-                <a14:useLocalDpi xmlns:a14="http://schemas.microsoft.com/office/drawing/2010/main" val="0"/>
-              </a:ext>
-            </a:extLst>
-          </a:blip>
-          <a:srcRect/>
-          <a:stretch>
-            <a:fillRect/>
-          </a:stretch>
-        </p:blipFill>
-        <p:spPr bwMode="auto">
-          <a:xfrm>
-            <a:off x="1561974" y="1510797"/>
-            <a:ext cx="8655577" cy="4679422"/>
-          </a:xfrm>
-          <a:prstGeom prst="rect">
-            <a:avLst/>
-          </a:prstGeom>
-          <a:noFill/>
-          <a:extLst>
-            <a:ext uri="{909E8E84-426E-40DD-AFC4-6F175D3DCCD1}">
-              <a14:hiddenFill xmlns:a14="http://schemas.microsoft.com/office/drawing/2010/main">
-                <a:solidFill>
-                  <a:srgbClr val="FFFFFF"/>
-                </a:solidFill>
-              </a14:hiddenFill>
-            </a:ext>
-          </a:extLst>
-        </p:spPr>
-      </p:pic>
-    </p:spTree>
-    <p:extLst>
-      <p:ext uri="{BB962C8B-B14F-4D97-AF65-F5344CB8AC3E}">
-        <p14:creationId xmlns:p14="http://schemas.microsoft.com/office/powerpoint/2010/main" val="402703432"/>
-      </p:ext>
-    </p:extLst>
-  </p:cSld>
-  <p:clrMapOvr>
-    <a:masterClrMapping/>
-  </p:clrMapOvr>
-</p:sld>
-</file>
-
-<file path=ppt/slides/slide5.xml><?xml version="1.0" encoding="utf-8"?>
-<p:sld xmlns:a="http://schemas.openxmlformats.org/drawingml/2006/main" xmlns:r="http://schemas.openxmlformats.org/officeDocument/2006/relationships" xmlns:p="http://schemas.openxmlformats.org/presentationml/2006/main">
-  <p:cSld>
-    <p:spTree>
-      <p:nvGrpSpPr>
-        <p:cNvPr id="1" name=""/>
-        <p:cNvGrpSpPr/>
-        <p:nvPr/>
-      </p:nvGrpSpPr>
-      <p:grpSpPr>
-        <a:xfrm>
-          <a:off x="0" y="0"/>
-          <a:ext cx="0" cy="0"/>
-          <a:chOff x="0" y="0"/>
-          <a:chExt cx="0" cy="0"/>
-        </a:xfrm>
-      </p:grpSpPr>
       <p:sp>
         <p:nvSpPr>
           <p:cNvPr id="2" name="Content Placeholder 1">
             <a:extLst>
               <a:ext uri="{FF2B5EF4-FFF2-40B4-BE49-F238E27FC236}">
-                <a16:creationId xmlns:a16="http://schemas.microsoft.com/office/drawing/2014/main" id="{7F029670-8172-D14F-AD03-54D60E0828DB}"/>
+                <a16:creationId xmlns:a16="http://schemas.microsoft.com/office/drawing/2014/main" id="{D579DFCE-09D2-7ED4-C692-0171814D1424}"/>
               </a:ext>
             </a:extLst>
           </p:cNvPr>
@@ -8859,82 +8928,45 @@
             <p:ph sz="half" idx="1"/>
           </p:nvPr>
         </p:nvSpPr>
-        <p:spPr/>
+        <p:spPr>
+          <a:xfrm>
+            <a:off x="873837" y="1770110"/>
+            <a:ext cx="10031850" cy="4351338"/>
+          </a:xfrm>
+        </p:spPr>
         <p:txBody>
           <a:bodyPr/>
           <a:lstStyle/>
           <a:p>
             <a:r>
-              <a:rPr lang="en-US" sz="3200" b="1" dirty="0"/>
-              <a:t>The Gap Inc. </a:t>
-            </a:r>
-            <a:r>
               <a:rPr lang="en-US" sz="3200" dirty="0"/>
-              <a:t>The Gap’s CEO revolutionized the company by using analytics to identify loyal customers, match products to customers, enhanced customer satisfaction, and manage product rebuys.</a:t>
+              <a:t>Unstructured data</a:t>
             </a:r>
           </a:p>
           <a:p>
             <a:r>
-              <a:rPr lang="en-US" sz="3200" b="1" dirty="0"/>
-              <a:t>Netflix.</a:t>
-            </a:r>
-            <a:r>
               <a:rPr lang="en-US" sz="3200" dirty="0"/>
-              <a:t> Netflix uses data analytics to recommend content to its users.</a:t>
+              <a:t>Semi-structured data</a:t>
             </a:r>
           </a:p>
           <a:p>
             <a:r>
-              <a:rPr lang="en-US" sz="3200" b="1" dirty="0"/>
-              <a:t>The Oakland Athletics. </a:t>
-            </a:r>
-            <a:r>
               <a:rPr lang="en-US" sz="3200" dirty="0"/>
-              <a:t>The A’s used analytics to greatly outperform relative to its small budget. The story of the A’s success was depicted in the movie </a:t>
-            </a:r>
-            <a:r>
-              <a:rPr lang="en-US" sz="3200" i="1" dirty="0"/>
-              <a:t>Moneyball</a:t>
-            </a:r>
-            <a:r>
-              <a:rPr lang="en-US" sz="3200" dirty="0"/>
-              <a:t>.</a:t>
+              <a:t>Structured data</a:t>
             </a:r>
           </a:p>
-        </p:txBody>
-      </p:sp>
-      <p:sp>
-        <p:nvSpPr>
-          <p:cNvPr id="3" name="Title 2">
-            <a:extLst>
-              <a:ext uri="{FF2B5EF4-FFF2-40B4-BE49-F238E27FC236}">
-                <a16:creationId xmlns:a16="http://schemas.microsoft.com/office/drawing/2014/main" id="{82E5FC0D-F05E-0648-B10F-E7662D8666CD}"/>
-              </a:ext>
-            </a:extLst>
-          </p:cNvPr>
-          <p:cNvSpPr>
-            <a:spLocks noGrp="1"/>
-          </p:cNvSpPr>
-          <p:nvPr>
-            <p:ph type="title"/>
-          </p:nvPr>
-        </p:nvSpPr>
-        <p:spPr/>
-        <p:txBody>
-          <a:bodyPr/>
-          <a:lstStyle/>
           <a:p>
-            <a:r>
-              <a:rPr lang="en-US" sz="5400" dirty="0"/>
-              <a:t>Example Applications of BA</a:t>
-            </a:r>
+            <a:endParaRPr lang="en-US" sz="3200" dirty="0"/>
+          </a:p>
+          <a:p>
+            <a:endParaRPr lang="en-US" sz="3200" dirty="0"/>
           </a:p>
         </p:txBody>
       </p:sp>
     </p:spTree>
     <p:extLst>
       <p:ext uri="{BB962C8B-B14F-4D97-AF65-F5344CB8AC3E}">
-        <p14:creationId xmlns:p14="http://schemas.microsoft.com/office/powerpoint/2010/main" val="518193938"/>
+        <p14:creationId xmlns:p14="http://schemas.microsoft.com/office/powerpoint/2010/main" val="4232318032"/>
       </p:ext>
     </p:extLst>
   </p:cSld>
@@ -9161,292 +9193,6 @@
           <a:p>
             <a:r>
               <a:rPr lang="en-US" sz="5400" dirty="0"/>
-              <a:t>Data Types </a:t>
-            </a:r>
-          </a:p>
-        </p:txBody>
-      </p:sp>
-      <p:sp>
-        <p:nvSpPr>
-          <p:cNvPr id="2" name="Content Placeholder 1">
-            <a:extLst>
-              <a:ext uri="{FF2B5EF4-FFF2-40B4-BE49-F238E27FC236}">
-                <a16:creationId xmlns:a16="http://schemas.microsoft.com/office/drawing/2014/main" id="{D579DFCE-09D2-7ED4-C692-0171814D1424}"/>
-              </a:ext>
-            </a:extLst>
-          </p:cNvPr>
-          <p:cNvSpPr>
-            <a:spLocks noGrp="1"/>
-          </p:cNvSpPr>
-          <p:nvPr>
-            <p:ph sz="half" idx="1"/>
-          </p:nvPr>
-        </p:nvSpPr>
-        <p:spPr>
-          <a:xfrm>
-            <a:off x="873837" y="1770110"/>
-            <a:ext cx="10031850" cy="4351338"/>
-          </a:xfrm>
-        </p:spPr>
-        <p:txBody>
-          <a:bodyPr/>
-          <a:lstStyle/>
-          <a:p>
-            <a:r>
-              <a:rPr lang="en-US" sz="3200" dirty="0"/>
-              <a:t>Unstructured data</a:t>
-            </a:r>
-          </a:p>
-          <a:p>
-            <a:r>
-              <a:rPr lang="en-US" sz="3200" dirty="0"/>
-              <a:t>Semi-structured data</a:t>
-            </a:r>
-          </a:p>
-          <a:p>
-            <a:r>
-              <a:rPr lang="en-US" sz="3200" dirty="0"/>
-              <a:t>Structured data</a:t>
-            </a:r>
-          </a:p>
-          <a:p>
-            <a:endParaRPr lang="en-US" sz="3200" dirty="0"/>
-          </a:p>
-          <a:p>
-            <a:endParaRPr lang="en-US" sz="3200" dirty="0"/>
-          </a:p>
-        </p:txBody>
-      </p:sp>
-    </p:spTree>
-    <p:extLst>
-      <p:ext uri="{BB962C8B-B14F-4D97-AF65-F5344CB8AC3E}">
-        <p14:creationId xmlns:p14="http://schemas.microsoft.com/office/powerpoint/2010/main" val="4232318032"/>
-      </p:ext>
-    </p:extLst>
-  </p:cSld>
-  <p:clrMapOvr>
-    <a:masterClrMapping/>
-  </p:clrMapOvr>
-  <p:timing>
-    <p:tnLst>
-      <p:par>
-        <p:cTn id="1" dur="indefinite" restart="never" nodeType="tmRoot">
-          <p:childTnLst>
-            <p:seq concurrent="1" nextAc="seek">
-              <p:cTn id="2" dur="indefinite" nodeType="mainSeq">
-                <p:childTnLst>
-                  <p:par>
-                    <p:cTn id="3" fill="hold">
-                      <p:stCondLst>
-                        <p:cond delay="indefinite"/>
-                      </p:stCondLst>
-                      <p:childTnLst>
-                        <p:par>
-                          <p:cTn id="4" fill="hold">
-                            <p:stCondLst>
-                              <p:cond delay="0"/>
-                            </p:stCondLst>
-                            <p:childTnLst>
-                              <p:par>
-                                <p:cTn id="5" presetID="1" presetClass="entr" presetSubtype="0" fill="hold" nodeType="clickEffect">
-                                  <p:stCondLst>
-                                    <p:cond delay="0"/>
-                                  </p:stCondLst>
-                                  <p:childTnLst>
-                                    <p:set>
-                                      <p:cBhvr>
-                                        <p:cTn id="6" dur="1" fill="hold">
-                                          <p:stCondLst>
-                                            <p:cond delay="0"/>
-                                          </p:stCondLst>
-                                        </p:cTn>
-                                        <p:tgtEl>
-                                          <p:spTgt spid="2">
-                                            <p:txEl>
-                                              <p:pRg st="0" end="0"/>
-                                            </p:txEl>
-                                          </p:spTgt>
-                                        </p:tgtEl>
-                                        <p:attrNameLst>
-                                          <p:attrName>style.visibility</p:attrName>
-                                        </p:attrNameLst>
-                                      </p:cBhvr>
-                                      <p:to>
-                                        <p:strVal val="visible"/>
-                                      </p:to>
-                                    </p:set>
-                                  </p:childTnLst>
-                                </p:cTn>
-                              </p:par>
-                            </p:childTnLst>
-                          </p:cTn>
-                        </p:par>
-                      </p:childTnLst>
-                    </p:cTn>
-                  </p:par>
-                  <p:par>
-                    <p:cTn id="7" fill="hold">
-                      <p:stCondLst>
-                        <p:cond delay="indefinite"/>
-                      </p:stCondLst>
-                      <p:childTnLst>
-                        <p:par>
-                          <p:cTn id="8" fill="hold">
-                            <p:stCondLst>
-                              <p:cond delay="0"/>
-                            </p:stCondLst>
-                            <p:childTnLst>
-                              <p:par>
-                                <p:cTn id="9" presetID="1" presetClass="entr" presetSubtype="0" fill="hold" nodeType="clickEffect">
-                                  <p:stCondLst>
-                                    <p:cond delay="0"/>
-                                  </p:stCondLst>
-                                  <p:childTnLst>
-                                    <p:set>
-                                      <p:cBhvr>
-                                        <p:cTn id="10" dur="1" fill="hold">
-                                          <p:stCondLst>
-                                            <p:cond delay="0"/>
-                                          </p:stCondLst>
-                                        </p:cTn>
-                                        <p:tgtEl>
-                                          <p:spTgt spid="2">
-                                            <p:txEl>
-                                              <p:pRg st="1" end="1"/>
-                                            </p:txEl>
-                                          </p:spTgt>
-                                        </p:tgtEl>
-                                        <p:attrNameLst>
-                                          <p:attrName>style.visibility</p:attrName>
-                                        </p:attrNameLst>
-                                      </p:cBhvr>
-                                      <p:to>
-                                        <p:strVal val="visible"/>
-                                      </p:to>
-                                    </p:set>
-                                  </p:childTnLst>
-                                </p:cTn>
-                              </p:par>
-                            </p:childTnLst>
-                          </p:cTn>
-                        </p:par>
-                      </p:childTnLst>
-                    </p:cTn>
-                  </p:par>
-                  <p:par>
-                    <p:cTn id="11" fill="hold">
-                      <p:stCondLst>
-                        <p:cond delay="indefinite"/>
-                      </p:stCondLst>
-                      <p:childTnLst>
-                        <p:par>
-                          <p:cTn id="12" fill="hold">
-                            <p:stCondLst>
-                              <p:cond delay="0"/>
-                            </p:stCondLst>
-                            <p:childTnLst>
-                              <p:par>
-                                <p:cTn id="13" presetID="1" presetClass="entr" presetSubtype="0" fill="hold" nodeType="clickEffect">
-                                  <p:stCondLst>
-                                    <p:cond delay="0"/>
-                                  </p:stCondLst>
-                                  <p:childTnLst>
-                                    <p:set>
-                                      <p:cBhvr>
-                                        <p:cTn id="14" dur="1" fill="hold">
-                                          <p:stCondLst>
-                                            <p:cond delay="0"/>
-                                          </p:stCondLst>
-                                        </p:cTn>
-                                        <p:tgtEl>
-                                          <p:spTgt spid="2">
-                                            <p:txEl>
-                                              <p:pRg st="2" end="2"/>
-                                            </p:txEl>
-                                          </p:spTgt>
-                                        </p:tgtEl>
-                                        <p:attrNameLst>
-                                          <p:attrName>style.visibility</p:attrName>
-                                        </p:attrNameLst>
-                                      </p:cBhvr>
-                                      <p:to>
-                                        <p:strVal val="visible"/>
-                                      </p:to>
-                                    </p:set>
-                                  </p:childTnLst>
-                                </p:cTn>
-                              </p:par>
-                            </p:childTnLst>
-                          </p:cTn>
-                        </p:par>
-                      </p:childTnLst>
-                    </p:cTn>
-                  </p:par>
-                </p:childTnLst>
-              </p:cTn>
-              <p:prevCondLst>
-                <p:cond evt="onPrev" delay="0">
-                  <p:tgtEl>
-                    <p:sldTgt/>
-                  </p:tgtEl>
-                </p:cond>
-              </p:prevCondLst>
-              <p:nextCondLst>
-                <p:cond evt="onNext" delay="0">
-                  <p:tgtEl>
-                    <p:sldTgt/>
-                  </p:tgtEl>
-                </p:cond>
-              </p:nextCondLst>
-            </p:seq>
-          </p:childTnLst>
-        </p:cTn>
-      </p:par>
-    </p:tnLst>
-  </p:timing>
-</p:sld>
-</file>
-
-<file path=ppt/slides/slide7.xml><?xml version="1.0" encoding="utf-8"?>
-<p:sld xmlns:a="http://schemas.openxmlformats.org/drawingml/2006/main" xmlns:r="http://schemas.openxmlformats.org/officeDocument/2006/relationships" xmlns:p="http://schemas.openxmlformats.org/presentationml/2006/main">
-  <p:cSld>
-    <p:spTree>
-      <p:nvGrpSpPr>
-        <p:cNvPr id="1" name=""/>
-        <p:cNvGrpSpPr/>
-        <p:nvPr/>
-      </p:nvGrpSpPr>
-      <p:grpSpPr>
-        <a:xfrm>
-          <a:off x="0" y="0"/>
-          <a:ext cx="0" cy="0"/>
-          <a:chOff x="0" y="0"/>
-          <a:chExt cx="0" cy="0"/>
-        </a:xfrm>
-      </p:grpSpPr>
-      <p:sp>
-        <p:nvSpPr>
-          <p:cNvPr id="3" name="Title 2">
-            <a:extLst>
-              <a:ext uri="{FF2B5EF4-FFF2-40B4-BE49-F238E27FC236}">
-                <a16:creationId xmlns:a16="http://schemas.microsoft.com/office/drawing/2014/main" id="{82E5FC0D-F05E-0648-B10F-E7662D8666CD}"/>
-              </a:ext>
-            </a:extLst>
-          </p:cNvPr>
-          <p:cNvSpPr>
-            <a:spLocks noGrp="1"/>
-          </p:cNvSpPr>
-          <p:nvPr>
-            <p:ph type="title"/>
-          </p:nvPr>
-        </p:nvSpPr>
-        <p:spPr/>
-        <p:txBody>
-          <a:bodyPr/>
-          <a:lstStyle/>
-          <a:p>
-            <a:r>
-              <a:rPr lang="en-US" sz="5400" dirty="0"/>
               <a:t>Example: Unstructured Data</a:t>
             </a:r>
           </a:p>
@@ -9632,7 +9378,7 @@
 </p:sld>
 </file>
 
-<file path=ppt/slides/slide8.xml><?xml version="1.0" encoding="utf-8"?>
+<file path=ppt/slides/slide7.xml><?xml version="1.0" encoding="utf-8"?>
 <p:sld xmlns:a="http://schemas.openxmlformats.org/drawingml/2006/main" xmlns:r="http://schemas.openxmlformats.org/officeDocument/2006/relationships" xmlns:p="http://schemas.openxmlformats.org/presentationml/2006/main">
   <p:cSld>
     <p:spTree>
@@ -10652,7 +10398,7 @@
 </p:sld>
 </file>
 
-<file path=ppt/slides/slide9.xml><?xml version="1.0" encoding="utf-8"?>
+<file path=ppt/slides/slide8.xml><?xml version="1.0" encoding="utf-8"?>
 <p:sld xmlns:a="http://schemas.openxmlformats.org/drawingml/2006/main" xmlns:r="http://schemas.openxmlformats.org/officeDocument/2006/relationships" xmlns:p="http://schemas.openxmlformats.org/presentationml/2006/main">
   <p:cSld>
     <p:spTree>
@@ -10883,6 +10629,64 @@
       </p:par>
     </p:tnLst>
   </p:timing>
+</p:sld>
+</file>
+
+<file path=ppt/slides/slide9.xml><?xml version="1.0" encoding="utf-8"?>
+<p:sld xmlns:a="http://schemas.openxmlformats.org/drawingml/2006/main" xmlns:r="http://schemas.openxmlformats.org/officeDocument/2006/relationships" xmlns:p="http://schemas.openxmlformats.org/presentationml/2006/main">
+  <p:cSld>
+    <p:spTree>
+      <p:nvGrpSpPr>
+        <p:cNvPr id="1" name=""/>
+        <p:cNvGrpSpPr/>
+        <p:nvPr/>
+      </p:nvGrpSpPr>
+      <p:grpSpPr>
+        <a:xfrm>
+          <a:off x="0" y="0"/>
+          <a:ext cx="0" cy="0"/>
+          <a:chOff x="0" y="0"/>
+          <a:chExt cx="0" cy="0"/>
+        </a:xfrm>
+      </p:grpSpPr>
+      <p:sp>
+        <p:nvSpPr>
+          <p:cNvPr id="3" name="Title 2">
+            <a:extLst>
+              <a:ext uri="{FF2B5EF4-FFF2-40B4-BE49-F238E27FC236}">
+                <a16:creationId xmlns:a16="http://schemas.microsoft.com/office/drawing/2014/main" id="{82E5FC0D-F05E-0648-B10F-E7662D8666CD}"/>
+              </a:ext>
+            </a:extLst>
+          </p:cNvPr>
+          <p:cNvSpPr>
+            <a:spLocks noGrp="1"/>
+          </p:cNvSpPr>
+          <p:nvPr>
+            <p:ph type="title"/>
+          </p:nvPr>
+        </p:nvSpPr>
+        <p:spPr/>
+        <p:txBody>
+          <a:bodyPr/>
+          <a:lstStyle/>
+          <a:p>
+            <a:r>
+              <a:rPr lang="en-US" sz="5400" dirty="0"/>
+              <a:t>Example: Structured Data</a:t>
+            </a:r>
+          </a:p>
+        </p:txBody>
+      </p:sp>
+    </p:spTree>
+    <p:extLst>
+      <p:ext uri="{BB962C8B-B14F-4D97-AF65-F5344CB8AC3E}">
+        <p14:creationId xmlns:p14="http://schemas.microsoft.com/office/powerpoint/2010/main" val="1699943337"/>
+      </p:ext>
+    </p:extLst>
+  </p:cSld>
+  <p:clrMapOvr>
+    <a:masterClrMapping/>
+  </p:clrMapOvr>
 </p:sld>
 </file>
 
@@ -11477,15 +11281,6 @@
 </file>
 
 <file path=customXml/item1.xml><?xml version="1.0" encoding="utf-8"?>
-<?mso-contentType ?>
-<FormTemplates xmlns="http://schemas.microsoft.com/sharepoint/v3/contenttype/forms">
-  <Display>DocumentLibraryForm</Display>
-  <Edit>DocumentLibraryForm</Edit>
-  <New>DocumentLibraryForm</New>
-</FormTemplates>
-</file>
-
-<file path=customXml/item2.xml><?xml version="1.0" encoding="utf-8"?>
 <ct:contentTypeSchema xmlns:ct="http://schemas.microsoft.com/office/2006/metadata/contentType" xmlns:ma="http://schemas.microsoft.com/office/2006/metadata/properties/metaAttributes" ct:_="" ma:_="" ma:contentTypeName="Document" ma:contentTypeID="0x010100323A64F4C2A5604FAC55642FE06F8B1A" ma:contentTypeVersion="3" ma:contentTypeDescription="Create a new document." ma:contentTypeScope="" ma:versionID="6263085d357f65b66154c94d625169c1">
   <xsd:schema xmlns:xsd="http://www.w3.org/2001/XMLSchema" xmlns:xs="http://www.w3.org/2001/XMLSchema" xmlns:p="http://schemas.microsoft.com/office/2006/metadata/properties" xmlns:ns1="http://schemas.microsoft.com/sharepoint/v3" xmlns:ns3="f6e71dcb-8557-4687-8b6c-f422ebe44608" targetNamespace="http://schemas.microsoft.com/office/2006/metadata/properties" ma:root="true" ma:fieldsID="8c56011b5a03105db0299bf4e58de31d" ns1:_="" ns3:_="">
     <xsd:import namespace="http://schemas.microsoft.com/sharepoint/v3"/>
@@ -11642,6 +11437,15 @@
 </ct:contentTypeSchema>
 </file>
 
+<file path=customXml/item2.xml><?xml version="1.0" encoding="utf-8"?>
+<?mso-contentType ?>
+<FormTemplates xmlns="http://schemas.microsoft.com/sharepoint/v3/contenttype/forms">
+  <Display>DocumentLibraryForm</Display>
+  <Edit>DocumentLibraryForm</Edit>
+  <New>DocumentLibraryForm</New>
+</FormTemplates>
+</file>
+
 <file path=customXml/item3.xml><?xml version="1.0" encoding="utf-8"?>
 <p:properties xmlns:p="http://schemas.microsoft.com/office/2006/metadata/properties" xmlns:xsi="http://www.w3.org/2001/XMLSchema-instance" xmlns:pc="http://schemas.microsoft.com/office/infopath/2007/PartnerControls">
   <documentManagement>
@@ -11652,14 +11456,6 @@
 </file>
 
 <file path=customXml/itemProps1.xml><?xml version="1.0" encoding="utf-8"?>
-<ds:datastoreItem xmlns:ds="http://schemas.openxmlformats.org/officeDocument/2006/customXml" ds:itemID="{16564C6F-F2A3-4F68-A91F-20EC4E29BC6F}">
-  <ds:schemaRefs>
-    <ds:schemaRef ds:uri="http://schemas.microsoft.com/sharepoint/v3/contenttype/forms"/>
-  </ds:schemaRefs>
-</ds:datastoreItem>
-</file>
-
-<file path=customXml/itemProps2.xml><?xml version="1.0" encoding="utf-8"?>
 <ds:datastoreItem xmlns:ds="http://schemas.openxmlformats.org/officeDocument/2006/customXml" ds:itemID="{3DDEE4C8-5260-43B8-9954-29C7F94B4D66}">
   <ds:schemaRefs>
     <ds:schemaRef ds:uri="http://schemas.microsoft.com/office/2006/metadata/contentType"/>
@@ -11678,6 +11474,14 @@
 </ds:datastoreItem>
 </file>
 
+<file path=customXml/itemProps2.xml><?xml version="1.0" encoding="utf-8"?>
+<ds:datastoreItem xmlns:ds="http://schemas.openxmlformats.org/officeDocument/2006/customXml" ds:itemID="{16564C6F-F2A3-4F68-A91F-20EC4E29BC6F}">
+  <ds:schemaRefs>
+    <ds:schemaRef ds:uri="http://schemas.microsoft.com/sharepoint/v3/contenttype/forms"/>
+  </ds:schemaRefs>
+</ds:datastoreItem>
+</file>
+
 <file path=customXml/itemProps3.xml><?xml version="1.0" encoding="utf-8"?>
 <ds:datastoreItem xmlns:ds="http://schemas.openxmlformats.org/officeDocument/2006/customXml" ds:itemID="{731A18D3-A155-4A36-8209-8117DAFB27B2}">
   <ds:schemaRefs>
